--- a/Tutorial 3 ODEs (USEFUL FOR ASSIGNMENT 1)/Tutorial 3 Presentation.pptx
+++ b/Tutorial 3 ODEs (USEFUL FOR ASSIGNMENT 1)/Tutorial 3 Presentation.pptx
@@ -5,18 +5,20 @@
     <p:sldMasterId id="2147483648" r:id="rId4"/>
   </p:sldMasterIdLst>
   <p:notesMasterIdLst>
-    <p:notesMasterId r:id="rId11"/>
+    <p:notesMasterId r:id="rId13"/>
   </p:notesMasterIdLst>
   <p:handoutMasterIdLst>
-    <p:handoutMasterId r:id="rId12"/>
+    <p:handoutMasterId r:id="rId14"/>
   </p:handoutMasterIdLst>
   <p:sldIdLst>
     <p:sldId id="256" r:id="rId5"/>
     <p:sldId id="259" r:id="rId6"/>
-    <p:sldId id="260" r:id="rId7"/>
-    <p:sldId id="261" r:id="rId8"/>
-    <p:sldId id="262" r:id="rId9"/>
-    <p:sldId id="257" r:id="rId10"/>
+    <p:sldId id="263" r:id="rId7"/>
+    <p:sldId id="264" r:id="rId8"/>
+    <p:sldId id="265" r:id="rId9"/>
+    <p:sldId id="261" r:id="rId10"/>
+    <p:sldId id="262" r:id="rId11"/>
+    <p:sldId id="257" r:id="rId12"/>
   </p:sldIdLst>
   <p:sldSz cx="12192000" cy="6858000"/>
   <p:notesSz cx="6858000" cy="9144000"/>
@@ -219,7 +221,7 @@
           <a:p>
             <a:fld id="{762B48F5-BACC-47D6-A0F7-82FBF9C6BC85}" type="datetimeFigureOut">
               <a:rPr lang="en-US"/>
-              <a:t>3/7/2019</a:t>
+              <a:t>3/6/2020</a:t>
             </a:fld>
             <a:endParaRPr/>
           </a:p>
@@ -384,7 +386,7 @@
           <a:p>
             <a:fld id="{0CB1CD00-5424-4675-AB18-2C419B060449}" type="datetimeFigureOut">
               <a:rPr lang="en-US"/>
-              <a:t>3/7/2019</a:t>
+              <a:t>3/6/2020</a:t>
             </a:fld>
             <a:endParaRPr/>
           </a:p>
@@ -1029,7 +1031,7 @@
           <a:p>
             <a:fld id="{37CC0096-1860-4642-9CD2-0079EA5E7CD1}" type="datetimeFigureOut">
               <a:rPr lang="en-US" smtClean="0"/>
-              <a:t>3/7/2019</a:t>
+              <a:t>3/6/2020</a:t>
             </a:fld>
             <a:endParaRPr lang="en-US"/>
           </a:p>
@@ -1208,7 +1210,7 @@
           <a:p>
             <a:fld id="{37CC0096-1860-4642-9CD2-0079EA5E7CD1}" type="datetimeFigureOut">
               <a:rPr lang="en-US" smtClean="0"/>
-              <a:t>3/7/2019</a:t>
+              <a:t>3/6/2020</a:t>
             </a:fld>
             <a:endParaRPr lang="en-US"/>
           </a:p>
@@ -1381,7 +1383,7 @@
           <a:p>
             <a:fld id="{37CC0096-1860-4642-9CD2-0079EA5E7CD1}" type="datetimeFigureOut">
               <a:rPr lang="en-US" smtClean="0"/>
-              <a:t>3/7/2019</a:t>
+              <a:t>3/6/2020</a:t>
             </a:fld>
             <a:endParaRPr lang="en-US"/>
           </a:p>
@@ -1814,7 +1816,7 @@
           <a:p>
             <a:fld id="{37CC0096-1860-4642-9CD2-0079EA5E7CD1}" type="datetimeFigureOut">
               <a:rPr lang="en-US" smtClean="0"/>
-              <a:t>3/7/2019</a:t>
+              <a:t>3/6/2020</a:t>
             </a:fld>
             <a:endParaRPr lang="en-US"/>
           </a:p>
@@ -2253,7 +2255,7 @@
           <a:p>
             <a:fld id="{37CC0096-1860-4642-9CD2-0079EA5E7CD1}" type="datetimeFigureOut">
               <a:rPr lang="en-US" smtClean="0"/>
-              <a:t>3/7/2019</a:t>
+              <a:t>3/6/2020</a:t>
             </a:fld>
             <a:endParaRPr lang="en-US"/>
           </a:p>
@@ -2370,7 +2372,7 @@
           <a:p>
             <a:fld id="{37CC0096-1860-4642-9CD2-0079EA5E7CD1}" type="datetimeFigureOut">
               <a:rPr lang="en-US" smtClean="0"/>
-              <a:t>3/7/2019</a:t>
+              <a:t>3/6/2020</a:t>
             </a:fld>
             <a:endParaRPr lang="en-US"/>
           </a:p>
@@ -2465,7 +2467,7 @@
           <a:p>
             <a:fld id="{37CC0096-1860-4642-9CD2-0079EA5E7CD1}" type="datetimeFigureOut">
               <a:rPr lang="en-US" smtClean="0"/>
-              <a:t>3/7/2019</a:t>
+              <a:t>3/6/2020</a:t>
             </a:fld>
             <a:endParaRPr lang="en-US"/>
           </a:p>
@@ -2749,7 +2751,7 @@
           <a:p>
             <a:fld id="{37CC0096-1860-4642-9CD2-0079EA5E7CD1}" type="datetimeFigureOut">
               <a:rPr lang="en-US" smtClean="0"/>
-              <a:t>3/7/2019</a:t>
+              <a:t>3/6/2020</a:t>
             </a:fld>
             <a:endParaRPr lang="en-US"/>
           </a:p>
@@ -3060,7 +3062,7 @@
           <a:p>
             <a:fld id="{37CC0096-1860-4642-9CD2-0079EA5E7CD1}" type="datetimeFigureOut">
               <a:rPr lang="en-US" smtClean="0"/>
-              <a:t>3/7/2019</a:t>
+              <a:t>3/6/2020</a:t>
             </a:fld>
             <a:endParaRPr lang="en-US"/>
           </a:p>
@@ -3292,7 +3294,7 @@
             <a:fld id="{37CC0096-1860-4642-9CD2-0079EA5E7CD1}" type="datetimeFigureOut">
               <a:rPr lang="en-US" smtClean="0"/>
               <a:pPr/>
-              <a:t>3/7/2019</a:t>
+              <a:t>3/6/2020</a:t>
             </a:fld>
             <a:endParaRPr lang="en-US"/>
           </a:p>
@@ -3678,7 +3680,7 @@
       </a:lvl9pPr>
     </p:otherStyle>
   </p:txStyles>
-  <p:extLst mod="1">
+  <p:extLst>
     <p:ext uri="{27BBF7A9-308A-43DC-89C8-2F10F3537804}">
       <p15:sldGuideLst xmlns:p15="http://schemas.microsoft.com/office/powerpoint/2012/main">
         <p15:guide id="1" orient="horz" pos="2160">
@@ -3813,15 +3815,7 @@
           <a:p>
             <a:r>
               <a:rPr lang="en-AU" dirty="0"/>
-              <a:t>Writing your </a:t>
-            </a:r>
-            <a:r>
-              <a:rPr lang="en-AU" dirty="0" err="1"/>
-              <a:t>ODEint</a:t>
-            </a:r>
-            <a:r>
-              <a:rPr lang="en-AU" dirty="0"/>
-              <a:t>-able function</a:t>
+              <a:t>What is ODE Int?</a:t>
             </a:r>
           </a:p>
         </p:txBody>
@@ -3842,7 +3836,12 @@
             <p:ph idx="1"/>
           </p:nvPr>
         </p:nvSpPr>
-        <p:spPr/>
+        <p:spPr>
+          <a:xfrm>
+            <a:off x="1524000" y="1772816"/>
+            <a:ext cx="9144000" cy="4267200"/>
+          </a:xfrm>
+        </p:spPr>
         <p:txBody>
           <a:bodyPr/>
           <a:lstStyle/>
@@ -3852,23 +3851,15 @@
             </a:pPr>
             <a:r>
               <a:rPr lang="en-AU" dirty="0"/>
-              <a:t>Your function / derivative COULD depend on time </a:t>
-            </a:r>
-            <a:r>
-              <a:rPr lang="en-AU" b="1" dirty="0"/>
-              <a:t>(t), or</a:t>
+              <a:t>Ordinary Differential Equation Integrator that will integrate a certain function ‘</a:t>
+            </a:r>
+            <a:r>
+              <a:rPr lang="en-AU" dirty="0" err="1"/>
+              <a:t>func</a:t>
             </a:r>
             <a:r>
               <a:rPr lang="en-AU" dirty="0"/>
-              <a:t> it could depend on the </a:t>
-            </a:r>
-            <a:r>
-              <a:rPr lang="en-AU" b="1" dirty="0"/>
-              <a:t>current status of the system (y)</a:t>
-            </a:r>
-            <a:r>
-              <a:rPr lang="en-AU" dirty="0"/>
-              <a:t>.</a:t>
+              <a:t>’</a:t>
             </a:r>
           </a:p>
           <a:p>
@@ -3881,32 +3872,49 @@
             <a:pPr marL="0" indent="0">
               <a:buNone/>
             </a:pPr>
+            <a:endParaRPr lang="en-AU" dirty="0"/>
+          </a:p>
+          <a:p>
+            <a:pPr marL="0" indent="0">
+              <a:buNone/>
+            </a:pPr>
+            <a:endParaRPr lang="en-AU" dirty="0"/>
+          </a:p>
+          <a:p>
+            <a:pPr marL="0" indent="0">
+              <a:buNone/>
+            </a:pPr>
+            <a:endParaRPr lang="en-AU" dirty="0"/>
+          </a:p>
+          <a:p>
+            <a:pPr marL="0" indent="0">
+              <a:buNone/>
+            </a:pPr>
+            <a:endParaRPr lang="en-AU" dirty="0"/>
+          </a:p>
+          <a:p>
+            <a:pPr marL="0" indent="0">
+              <a:buNone/>
+            </a:pPr>
+            <a:endParaRPr lang="en-AU" dirty="0"/>
+          </a:p>
+          <a:p>
+            <a:pPr marL="0" indent="0">
+              <a:buNone/>
+            </a:pPr>
             <a:r>
               <a:rPr lang="en-AU" dirty="0"/>
-              <a:t>Any ODE int function needs to take in a current state (y – which can be an array of states if you’ve got multiple variables), </a:t>
-            </a:r>
-            <a:r>
-              <a:rPr lang="en-AU" b="1" dirty="0"/>
-              <a:t>and</a:t>
-            </a:r>
-            <a:r>
-              <a:rPr lang="en-AU" dirty="0"/>
-              <a:t> a time base (t), </a:t>
-            </a:r>
-            <a:r>
-              <a:rPr lang="en-AU" b="1" dirty="0"/>
-              <a:t>even if only one is needed to evaluate the derivative.</a:t>
-            </a:r>
-            <a:endParaRPr lang="en-AU" dirty="0"/>
+              <a:t>The principal challenge in using ODE in is writing your function</a:t>
+            </a:r>
           </a:p>
         </p:txBody>
       </p:sp>
       <p:pic>
         <p:nvPicPr>
-          <p:cNvPr id="4" name="Picture 3">
+          <p:cNvPr id="6" name="Picture 5">
             <a:extLst>
               <a:ext uri="{FF2B5EF4-FFF2-40B4-BE49-F238E27FC236}">
-                <a16:creationId xmlns:a16="http://schemas.microsoft.com/office/drawing/2014/main" id="{459B7EF3-F895-4659-A5E2-B3BBD629CBD3}"/>
+                <a16:creationId xmlns:a16="http://schemas.microsoft.com/office/drawing/2014/main" id="{B8342099-ABD6-4C13-9041-C3D7E0668385}"/>
               </a:ext>
             </a:extLst>
           </p:cNvPr>
@@ -3923,38 +3931,8 @@
         </p:blipFill>
         <p:spPr>
           <a:xfrm>
-            <a:off x="1524000" y="5015880"/>
-            <a:ext cx="4356484" cy="1080120"/>
-          </a:xfrm>
-          <a:prstGeom prst="rect">
-            <a:avLst/>
-          </a:prstGeom>
-        </p:spPr>
-      </p:pic>
-      <p:pic>
-        <p:nvPicPr>
-          <p:cNvPr id="5" name="Picture 4">
-            <a:extLst>
-              <a:ext uri="{FF2B5EF4-FFF2-40B4-BE49-F238E27FC236}">
-                <a16:creationId xmlns:a16="http://schemas.microsoft.com/office/drawing/2014/main" id="{95A23B92-BDA3-4341-8DB4-E753ABFF0E22}"/>
-              </a:ext>
-            </a:extLst>
-          </p:cNvPr>
-          <p:cNvPicPr>
-            <a:picLocks noChangeAspect="1"/>
-          </p:cNvPicPr>
-          <p:nvPr/>
-        </p:nvPicPr>
-        <p:blipFill>
-          <a:blip r:embed="rId3"/>
-          <a:stretch>
-            <a:fillRect/>
-          </a:stretch>
-        </p:blipFill>
-        <p:spPr>
-          <a:xfrm>
-            <a:off x="6079232" y="4977780"/>
-            <a:ext cx="5335138" cy="1080120"/>
+            <a:off x="2194892" y="2204864"/>
+            <a:ext cx="7429500" cy="2628900"/>
           </a:xfrm>
           <a:prstGeom prst="rect">
             <a:avLst/>
@@ -3996,7 +3974,7 @@
           <p:cNvPr id="2" name="Title 1">
             <a:extLst>
               <a:ext uri="{FF2B5EF4-FFF2-40B4-BE49-F238E27FC236}">
-                <a16:creationId xmlns:a16="http://schemas.microsoft.com/office/drawing/2014/main" id="{B53B54A4-33E4-445C-91C4-3E036E4B8BDF}"/>
+                <a16:creationId xmlns:a16="http://schemas.microsoft.com/office/drawing/2014/main" id="{C254E2E3-BB92-4432-9F63-845FA0572D1B}"/>
               </a:ext>
             </a:extLst>
           </p:cNvPr>
@@ -4014,7 +3992,15 @@
           <a:p>
             <a:r>
               <a:rPr lang="en-AU" dirty="0"/>
-              <a:t>Syntax Break! – A tuple</a:t>
+              <a:t>Writing your </a:t>
+            </a:r>
+            <a:r>
+              <a:rPr lang="en-AU" dirty="0" err="1"/>
+              <a:t>ODEint</a:t>
+            </a:r>
+            <a:r>
+              <a:rPr lang="en-AU" dirty="0"/>
+              <a:t>-able function</a:t>
             </a:r>
           </a:p>
         </p:txBody>
@@ -4024,7 +4010,7 @@
           <p:cNvPr id="3" name="Content Placeholder 2">
             <a:extLst>
               <a:ext uri="{FF2B5EF4-FFF2-40B4-BE49-F238E27FC236}">
-                <a16:creationId xmlns:a16="http://schemas.microsoft.com/office/drawing/2014/main" id="{09513072-1790-4EDD-904B-DD7821474F58}"/>
+                <a16:creationId xmlns:a16="http://schemas.microsoft.com/office/drawing/2014/main" id="{7CD1E4E1-67C9-46B7-BD02-DEB95FF0042F}"/>
               </a:ext>
             </a:extLst>
           </p:cNvPr>
@@ -4037,7 +4023,9 @@
         </p:nvSpPr>
         <p:spPr/>
         <p:txBody>
-          <a:bodyPr/>
+          <a:bodyPr>
+            <a:normAutofit/>
+          </a:bodyPr>
           <a:lstStyle/>
           <a:p>
             <a:pPr marL="0" indent="0">
@@ -4045,75 +4033,118 @@
             </a:pPr>
             <a:r>
               <a:rPr lang="en-AU" dirty="0"/>
-              <a:t>In </a:t>
+              <a:t>Your function / derivative COULD depend on time </a:t>
+            </a:r>
+            <a:r>
+              <a:rPr lang="en-AU" b="1" dirty="0"/>
+              <a:t>(t), or</a:t>
+            </a:r>
+            <a:r>
+              <a:rPr lang="en-AU" dirty="0"/>
+              <a:t> it could depend on the </a:t>
+            </a:r>
+            <a:r>
+              <a:rPr lang="en-AU" b="1" dirty="0"/>
+              <a:t>current status of the system (y)</a:t>
+            </a:r>
+            <a:r>
+              <a:rPr lang="en-AU" dirty="0"/>
+              <a:t>.</a:t>
+            </a:r>
+          </a:p>
+          <a:p>
+            <a:pPr marL="0" indent="0">
+              <a:buNone/>
+            </a:pPr>
+            <a:r>
+              <a:rPr lang="en-AU" dirty="0"/>
+              <a:t>It’s inputs must be y, t and then others.</a:t>
+            </a:r>
+          </a:p>
+          <a:p>
+            <a:pPr marL="0" indent="0">
+              <a:buNone/>
+            </a:pPr>
+            <a:r>
+              <a:rPr lang="en-AU" dirty="0"/>
+              <a:t>‘y’ can be a vector, meaning it can actually</a:t>
+            </a:r>
+            <a:br>
+              <a:rPr lang="en-AU" dirty="0"/>
+            </a:br>
+            <a:r>
+              <a:rPr lang="en-AU" dirty="0"/>
+              <a:t>be a variable containing many values</a:t>
+            </a:r>
+          </a:p>
+          <a:p>
+            <a:pPr marL="0" indent="0">
+              <a:buNone/>
+            </a:pPr>
+            <a:r>
+              <a:rPr lang="en-AU" dirty="0"/>
+              <a:t>It must return the set of </a:t>
             </a:r>
             <a:r>
               <a:rPr lang="en-AU" dirty="0" err="1"/>
-              <a:t>ODEint</a:t>
+              <a:t>dy</a:t>
             </a:r>
             <a:r>
               <a:rPr lang="en-AU" dirty="0"/>
-              <a:t> implementations you’ll often see something of the form;</a:t>
-            </a:r>
-          </a:p>
-          <a:p>
-            <a:pPr marL="365760" lvl="1" indent="0">
+              <a:t>/dt (i.e. one</a:t>
+            </a:r>
+            <a:br>
+              <a:rPr lang="en-AU" dirty="0"/>
+            </a:br>
+            <a:r>
+              <a:rPr lang="en-AU" dirty="0"/>
+              <a:t>derivative for each ‘y’ we have input)’</a:t>
+            </a:r>
+          </a:p>
+          <a:p>
+            <a:pPr marL="0" indent="0">
               <a:buNone/>
             </a:pPr>
-            <a:r>
-              <a:rPr lang="en-AU" dirty="0"/>
-              <a:t>a, b = y.</a:t>
-            </a:r>
-          </a:p>
-          <a:p>
-            <a:pPr lvl="1"/>
             <a:endParaRPr lang="en-AU" dirty="0"/>
           </a:p>
           <a:p>
             <a:pPr marL="0" indent="0">
               <a:buNone/>
             </a:pPr>
-            <a:r>
-              <a:rPr lang="en-AU" dirty="0"/>
-              <a:t>This is </a:t>
-            </a:r>
-            <a:r>
-              <a:rPr lang="en-AU" b="1" dirty="0"/>
-              <a:t>not giving a and b the same value.</a:t>
-            </a:r>
-            <a:r>
-              <a:rPr lang="en-AU" dirty="0"/>
-              <a:t> In fact, y is a ‘tuple’, which is a variable consisting of comma separated values (</a:t>
-            </a:r>
-            <a:r>
-              <a:rPr lang="en-AU" dirty="0" err="1"/>
-              <a:t>eg</a:t>
-            </a:r>
-            <a:r>
-              <a:rPr lang="en-AU" dirty="0"/>
-              <a:t>, y = 1,2).</a:t>
-            </a:r>
+            <a:endParaRPr lang="en-AU" dirty="0"/>
           </a:p>
           <a:p>
             <a:pPr marL="0" indent="0">
               <a:buNone/>
             </a:pPr>
-            <a:r>
-              <a:rPr lang="en-AU" dirty="0"/>
-              <a:t>In this case, a is assigned the first value in the tuple, and b the second.</a:t>
-            </a:r>
-          </a:p>
-          <a:p>
+            <a:endParaRPr lang="en-AU" dirty="0"/>
+          </a:p>
+          <a:p>
+            <a:pPr marL="0" indent="0">
+              <a:buNone/>
+            </a:pPr>
+            <a:endParaRPr lang="en-AU" dirty="0"/>
+          </a:p>
+          <a:p>
+            <a:pPr marL="0" indent="0">
+              <a:buNone/>
+            </a:pPr>
+            <a:endParaRPr lang="en-AU" dirty="0"/>
+          </a:p>
+          <a:p>
+            <a:pPr marL="0" indent="0">
+              <a:buNone/>
+            </a:pPr>
             <a:endParaRPr lang="en-AU" dirty="0"/>
           </a:p>
         </p:txBody>
       </p:sp>
       <p:pic>
         <p:nvPicPr>
-          <p:cNvPr id="4" name="Picture 3">
+          <p:cNvPr id="5" name="Picture 4">
             <a:extLst>
               <a:ext uri="{FF2B5EF4-FFF2-40B4-BE49-F238E27FC236}">
-                <a16:creationId xmlns:a16="http://schemas.microsoft.com/office/drawing/2014/main" id="{F0C71B03-FCF5-4CBB-A598-0B402AFAD38D}"/>
+                <a16:creationId xmlns:a16="http://schemas.microsoft.com/office/drawing/2014/main" id="{95A23B92-BDA3-4341-8DB4-E753ABFF0E22}"/>
               </a:ext>
             </a:extLst>
           </p:cNvPr>
@@ -4130,18 +4161,293 @@
         </p:blipFill>
         <p:spPr>
           <a:xfrm>
-            <a:off x="8904312" y="4509120"/>
-            <a:ext cx="1562100" cy="1362075"/>
+            <a:off x="3215680" y="5290699"/>
+            <a:ext cx="5335138" cy="1080120"/>
           </a:xfrm>
           <a:prstGeom prst="rect">
             <a:avLst/>
           </a:prstGeom>
         </p:spPr>
       </p:pic>
+      <p:sp>
+        <p:nvSpPr>
+          <p:cNvPr id="6" name="Rectangle 5">
+            <a:extLst>
+              <a:ext uri="{FF2B5EF4-FFF2-40B4-BE49-F238E27FC236}">
+                <a16:creationId xmlns:a16="http://schemas.microsoft.com/office/drawing/2014/main" id="{ACAB8FEF-B951-4FD2-9587-36F06D2B5042}"/>
+              </a:ext>
+            </a:extLst>
+          </p:cNvPr>
+          <p:cNvSpPr/>
+          <p:nvPr/>
+        </p:nvSpPr>
+        <p:spPr>
+          <a:xfrm>
+            <a:off x="7930700" y="2996952"/>
+            <a:ext cx="1106680" cy="777360"/>
+          </a:xfrm>
+          <a:prstGeom prst="rect">
+            <a:avLst/>
+          </a:prstGeom>
+        </p:spPr>
+        <p:style>
+          <a:lnRef idx="2">
+            <a:schemeClr val="accent1">
+              <a:shade val="50000"/>
+            </a:schemeClr>
+          </a:lnRef>
+          <a:fillRef idx="1">
+            <a:schemeClr val="accent1"/>
+          </a:fillRef>
+          <a:effectRef idx="0">
+            <a:schemeClr val="accent1"/>
+          </a:effectRef>
+          <a:fontRef idx="minor">
+            <a:schemeClr val="lt1"/>
+          </a:fontRef>
+        </p:style>
+        <p:txBody>
+          <a:bodyPr rtlCol="0" anchor="ctr"/>
+          <a:lstStyle/>
+          <a:p>
+            <a:pPr algn="ctr"/>
+            <a:r>
+              <a:rPr lang="en-AU" dirty="0"/>
+              <a:t>FUNC</a:t>
+            </a:r>
+          </a:p>
+        </p:txBody>
+      </p:sp>
+      <p:sp>
+        <p:nvSpPr>
+          <p:cNvPr id="9" name="TextBox 8">
+            <a:extLst>
+              <a:ext uri="{FF2B5EF4-FFF2-40B4-BE49-F238E27FC236}">
+                <a16:creationId xmlns:a16="http://schemas.microsoft.com/office/drawing/2014/main" id="{9EA19586-6FFF-41DE-B4ED-13A105A94C81}"/>
+              </a:ext>
+            </a:extLst>
+          </p:cNvPr>
+          <p:cNvSpPr txBox="1"/>
+          <p:nvPr/>
+        </p:nvSpPr>
+        <p:spPr>
+          <a:xfrm>
+            <a:off x="7320136" y="3404983"/>
+            <a:ext cx="523940" cy="369332"/>
+          </a:xfrm>
+          <a:prstGeom prst="rect">
+            <a:avLst/>
+          </a:prstGeom>
+          <a:noFill/>
+        </p:spPr>
+        <p:txBody>
+          <a:bodyPr wrap="square" rtlCol="0">
+            <a:spAutoFit/>
+          </a:bodyPr>
+          <a:lstStyle/>
+          <a:p>
+            <a:r>
+              <a:rPr lang="en-AU" b="1" dirty="0"/>
+              <a:t>t</a:t>
+            </a:r>
+          </a:p>
+        </p:txBody>
+      </p:sp>
+      <p:sp>
+        <p:nvSpPr>
+          <p:cNvPr id="17" name="TextBox 16">
+            <a:extLst>
+              <a:ext uri="{FF2B5EF4-FFF2-40B4-BE49-F238E27FC236}">
+                <a16:creationId xmlns:a16="http://schemas.microsoft.com/office/drawing/2014/main" id="{6F60D913-49B5-4D70-AA8E-5763F6B2A02D}"/>
+              </a:ext>
+            </a:extLst>
+          </p:cNvPr>
+          <p:cNvSpPr txBox="1"/>
+          <p:nvPr/>
+        </p:nvSpPr>
+        <p:spPr>
+          <a:xfrm>
+            <a:off x="7320136" y="2950099"/>
+            <a:ext cx="523940" cy="369332"/>
+          </a:xfrm>
+          <a:prstGeom prst="rect">
+            <a:avLst/>
+          </a:prstGeom>
+          <a:noFill/>
+        </p:spPr>
+        <p:txBody>
+          <a:bodyPr wrap="square" rtlCol="0">
+            <a:spAutoFit/>
+          </a:bodyPr>
+          <a:lstStyle/>
+          <a:p>
+            <a:r>
+              <a:rPr lang="en-AU" b="1" dirty="0"/>
+              <a:t>y</a:t>
+            </a:r>
+          </a:p>
+        </p:txBody>
+      </p:sp>
+      <p:cxnSp>
+        <p:nvCxnSpPr>
+          <p:cNvPr id="19" name="Straight Arrow Connector 18">
+            <a:extLst>
+              <a:ext uri="{FF2B5EF4-FFF2-40B4-BE49-F238E27FC236}">
+                <a16:creationId xmlns:a16="http://schemas.microsoft.com/office/drawing/2014/main" id="{650AC936-C7F5-485D-AE15-C69D437F1264}"/>
+              </a:ext>
+            </a:extLst>
+          </p:cNvPr>
+          <p:cNvCxnSpPr/>
+          <p:nvPr/>
+        </p:nvCxnSpPr>
+        <p:spPr>
+          <a:xfrm>
+            <a:off x="7680176" y="3134765"/>
+            <a:ext cx="250524" cy="0"/>
+          </a:xfrm>
+          <a:prstGeom prst="straightConnector1">
+            <a:avLst/>
+          </a:prstGeom>
+          <a:ln w="28575">
+            <a:tailEnd type="triangle"/>
+          </a:ln>
+        </p:spPr>
+        <p:style>
+          <a:lnRef idx="1">
+            <a:schemeClr val="accent1"/>
+          </a:lnRef>
+          <a:fillRef idx="0">
+            <a:schemeClr val="accent1"/>
+          </a:fillRef>
+          <a:effectRef idx="0">
+            <a:schemeClr val="accent1"/>
+          </a:effectRef>
+          <a:fontRef idx="minor">
+            <a:schemeClr val="tx1"/>
+          </a:fontRef>
+        </p:style>
+      </p:cxnSp>
+      <p:cxnSp>
+        <p:nvCxnSpPr>
+          <p:cNvPr id="20" name="Straight Arrow Connector 19">
+            <a:extLst>
+              <a:ext uri="{FF2B5EF4-FFF2-40B4-BE49-F238E27FC236}">
+                <a16:creationId xmlns:a16="http://schemas.microsoft.com/office/drawing/2014/main" id="{387A542D-D7EC-461F-8F77-D88FC4B78D9A}"/>
+              </a:ext>
+            </a:extLst>
+          </p:cNvPr>
+          <p:cNvCxnSpPr/>
+          <p:nvPr/>
+        </p:nvCxnSpPr>
+        <p:spPr>
+          <a:xfrm>
+            <a:off x="7680176" y="3589649"/>
+            <a:ext cx="250524" cy="0"/>
+          </a:xfrm>
+          <a:prstGeom prst="straightConnector1">
+            <a:avLst/>
+          </a:prstGeom>
+          <a:ln w="28575">
+            <a:tailEnd type="triangle"/>
+          </a:ln>
+        </p:spPr>
+        <p:style>
+          <a:lnRef idx="1">
+            <a:schemeClr val="accent1"/>
+          </a:lnRef>
+          <a:fillRef idx="0">
+            <a:schemeClr val="accent1"/>
+          </a:fillRef>
+          <a:effectRef idx="0">
+            <a:schemeClr val="accent1"/>
+          </a:effectRef>
+          <a:fontRef idx="minor">
+            <a:schemeClr val="tx1"/>
+          </a:fontRef>
+        </p:style>
+      </p:cxnSp>
+      <p:cxnSp>
+        <p:nvCxnSpPr>
+          <p:cNvPr id="21" name="Straight Arrow Connector 20">
+            <a:extLst>
+              <a:ext uri="{FF2B5EF4-FFF2-40B4-BE49-F238E27FC236}">
+                <a16:creationId xmlns:a16="http://schemas.microsoft.com/office/drawing/2014/main" id="{9916608C-7851-4C98-A234-F13073C21F70}"/>
+              </a:ext>
+            </a:extLst>
+          </p:cNvPr>
+          <p:cNvCxnSpPr/>
+          <p:nvPr/>
+        </p:nvCxnSpPr>
+        <p:spPr>
+          <a:xfrm>
+            <a:off x="9120336" y="3378977"/>
+            <a:ext cx="250524" cy="0"/>
+          </a:xfrm>
+          <a:prstGeom prst="straightConnector1">
+            <a:avLst/>
+          </a:prstGeom>
+          <a:ln w="28575">
+            <a:tailEnd type="triangle"/>
+          </a:ln>
+        </p:spPr>
+        <p:style>
+          <a:lnRef idx="1">
+            <a:schemeClr val="accent1"/>
+          </a:lnRef>
+          <a:fillRef idx="0">
+            <a:schemeClr val="accent1"/>
+          </a:fillRef>
+          <a:effectRef idx="0">
+            <a:schemeClr val="accent1"/>
+          </a:effectRef>
+          <a:fontRef idx="minor">
+            <a:schemeClr val="tx1"/>
+          </a:fontRef>
+        </p:style>
+      </p:cxnSp>
+      <p:sp>
+        <p:nvSpPr>
+          <p:cNvPr id="22" name="TextBox 21">
+            <a:extLst>
+              <a:ext uri="{FF2B5EF4-FFF2-40B4-BE49-F238E27FC236}">
+                <a16:creationId xmlns:a16="http://schemas.microsoft.com/office/drawing/2014/main" id="{9ADE81A6-4D8A-4A10-AB8B-1E31F8BB704A}"/>
+              </a:ext>
+            </a:extLst>
+          </p:cNvPr>
+          <p:cNvSpPr txBox="1"/>
+          <p:nvPr/>
+        </p:nvSpPr>
+        <p:spPr>
+          <a:xfrm>
+            <a:off x="9370860" y="3105834"/>
+            <a:ext cx="523940" cy="646331"/>
+          </a:xfrm>
+          <a:prstGeom prst="rect">
+            <a:avLst/>
+          </a:prstGeom>
+          <a:noFill/>
+        </p:spPr>
+        <p:txBody>
+          <a:bodyPr wrap="square" rtlCol="0">
+            <a:spAutoFit/>
+          </a:bodyPr>
+          <a:lstStyle/>
+          <a:p>
+            <a:r>
+              <a:rPr lang="en-AU" b="1" dirty="0" err="1"/>
+              <a:t>dy</a:t>
+            </a:r>
+            <a:r>
+              <a:rPr lang="en-AU" b="1" dirty="0"/>
+              <a:t>/dt</a:t>
+            </a:r>
+          </a:p>
+        </p:txBody>
+      </p:sp>
     </p:spTree>
     <p:extLst>
       <p:ext uri="{BB962C8B-B14F-4D97-AF65-F5344CB8AC3E}">
-        <p14:creationId xmlns:p14="http://schemas.microsoft.com/office/powerpoint/2010/main" val="755210765"/>
+        <p14:creationId xmlns:p14="http://schemas.microsoft.com/office/powerpoint/2010/main" val="905735453"/>
       </p:ext>
     </p:extLst>
   </p:cSld>
@@ -4152,6 +4458,487 @@
 </file>
 
 <file path=ppt/slides/slide4.xml><?xml version="1.0" encoding="utf-8"?>
+<p:sld xmlns:a="http://schemas.openxmlformats.org/drawingml/2006/main" xmlns:r="http://schemas.openxmlformats.org/officeDocument/2006/relationships" xmlns:p="http://schemas.openxmlformats.org/presentationml/2006/main">
+  <p:cSld>
+    <p:spTree>
+      <p:nvGrpSpPr>
+        <p:cNvPr id="1" name=""/>
+        <p:cNvGrpSpPr/>
+        <p:nvPr/>
+      </p:nvGrpSpPr>
+      <p:grpSpPr>
+        <a:xfrm>
+          <a:off x="0" y="0"/>
+          <a:ext cx="0" cy="0"/>
+          <a:chOff x="0" y="0"/>
+          <a:chExt cx="0" cy="0"/>
+        </a:xfrm>
+      </p:grpSpPr>
+      <p:sp>
+        <p:nvSpPr>
+          <p:cNvPr id="2" name="Title 1">
+            <a:extLst>
+              <a:ext uri="{FF2B5EF4-FFF2-40B4-BE49-F238E27FC236}">
+                <a16:creationId xmlns:a16="http://schemas.microsoft.com/office/drawing/2014/main" id="{BC9452CD-60E7-4E34-BCE2-1310E7EE2A17}"/>
+              </a:ext>
+            </a:extLst>
+          </p:cNvPr>
+          <p:cNvSpPr>
+            <a:spLocks noGrp="1"/>
+          </p:cNvSpPr>
+          <p:nvPr>
+            <p:ph type="title"/>
+          </p:nvPr>
+        </p:nvSpPr>
+        <p:spPr/>
+        <p:txBody>
+          <a:bodyPr/>
+          <a:lstStyle/>
+          <a:p>
+            <a:r>
+              <a:rPr lang="en-AU" dirty="0"/>
+              <a:t>What about – two variables?</a:t>
+            </a:r>
+          </a:p>
+        </p:txBody>
+      </p:sp>
+      <p:sp>
+        <p:nvSpPr>
+          <p:cNvPr id="3" name="Content Placeholder 2">
+            <a:extLst>
+              <a:ext uri="{FF2B5EF4-FFF2-40B4-BE49-F238E27FC236}">
+                <a16:creationId xmlns:a16="http://schemas.microsoft.com/office/drawing/2014/main" id="{4BCE596A-6A5B-446B-9AE7-88FF87220D99}"/>
+              </a:ext>
+            </a:extLst>
+          </p:cNvPr>
+          <p:cNvSpPr>
+            <a:spLocks noGrp="1"/>
+          </p:cNvSpPr>
+          <p:nvPr>
+            <p:ph idx="1"/>
+          </p:nvPr>
+        </p:nvSpPr>
+        <p:spPr>
+          <a:xfrm>
+            <a:off x="1524000" y="1828800"/>
+            <a:ext cx="9144000" cy="4768552"/>
+          </a:xfrm>
+        </p:spPr>
+        <p:txBody>
+          <a:bodyPr>
+            <a:normAutofit/>
+          </a:bodyPr>
+          <a:lstStyle/>
+          <a:p>
+            <a:pPr marL="0" indent="0">
+              <a:buNone/>
+            </a:pPr>
+            <a:r>
+              <a:rPr lang="en-AU" dirty="0"/>
+              <a:t>Use a tuple / vector!</a:t>
+            </a:r>
+          </a:p>
+          <a:p>
+            <a:pPr marL="0" indent="0">
+              <a:buNone/>
+            </a:pPr>
+            <a:r>
+              <a:rPr lang="en-AU" dirty="0"/>
+              <a:t>Outside the function, write two variables to ‘y’ (</a:t>
+            </a:r>
+            <a:r>
+              <a:rPr lang="en-AU" dirty="0" err="1"/>
+              <a:t>eg</a:t>
+            </a:r>
+            <a:r>
+              <a:rPr lang="en-AU" dirty="0"/>
+              <a:t> y = x, v)</a:t>
+            </a:r>
+          </a:p>
+          <a:p>
+            <a:pPr marL="0" indent="0">
+              <a:buNone/>
+            </a:pPr>
+            <a:endParaRPr lang="en-AU" dirty="0"/>
+          </a:p>
+          <a:p>
+            <a:pPr marL="0" indent="0">
+              <a:buNone/>
+            </a:pPr>
+            <a:endParaRPr lang="en-AU" dirty="0"/>
+          </a:p>
+          <a:p>
+            <a:pPr marL="0" indent="0">
+              <a:buNone/>
+            </a:pPr>
+            <a:r>
+              <a:rPr lang="en-AU" dirty="0"/>
+              <a:t>Inside the function, extract the two variables from y (</a:t>
+            </a:r>
+            <a:r>
+              <a:rPr lang="en-AU" dirty="0" err="1"/>
+              <a:t>eg</a:t>
+            </a:r>
+            <a:r>
+              <a:rPr lang="en-AU" dirty="0"/>
+              <a:t> x, v = y)</a:t>
+            </a:r>
+          </a:p>
+          <a:p>
+            <a:pPr marL="0" indent="0">
+              <a:buNone/>
+            </a:pPr>
+            <a:endParaRPr lang="en-AU" dirty="0"/>
+          </a:p>
+          <a:p>
+            <a:pPr marL="0" indent="0">
+              <a:buNone/>
+            </a:pPr>
+            <a:endParaRPr lang="en-AU" dirty="0"/>
+          </a:p>
+          <a:p>
+            <a:pPr marL="0" indent="0">
+              <a:buNone/>
+            </a:pPr>
+            <a:endParaRPr lang="en-AU" dirty="0"/>
+          </a:p>
+          <a:p>
+            <a:pPr marL="0" indent="0">
+              <a:buNone/>
+            </a:pPr>
+            <a:r>
+              <a:rPr lang="en-AU" dirty="0"/>
+              <a:t>Make sure your function returns two derivatives if you’re using two variables (and that they’re in the correct order!)</a:t>
+            </a:r>
+          </a:p>
+        </p:txBody>
+      </p:sp>
+      <p:pic>
+        <p:nvPicPr>
+          <p:cNvPr id="4" name="Picture 3">
+            <a:extLst>
+              <a:ext uri="{FF2B5EF4-FFF2-40B4-BE49-F238E27FC236}">
+                <a16:creationId xmlns:a16="http://schemas.microsoft.com/office/drawing/2014/main" id="{987E6876-09EB-41CC-BCB9-C72631404956}"/>
+              </a:ext>
+            </a:extLst>
+          </p:cNvPr>
+          <p:cNvPicPr>
+            <a:picLocks noChangeAspect="1"/>
+          </p:cNvPicPr>
+          <p:nvPr/>
+        </p:nvPicPr>
+        <p:blipFill>
+          <a:blip r:embed="rId2"/>
+          <a:stretch>
+            <a:fillRect/>
+          </a:stretch>
+        </p:blipFill>
+        <p:spPr>
+          <a:xfrm>
+            <a:off x="2855640" y="4221088"/>
+            <a:ext cx="5695950" cy="1543050"/>
+          </a:xfrm>
+          <a:prstGeom prst="rect">
+            <a:avLst/>
+          </a:prstGeom>
+        </p:spPr>
+      </p:pic>
+      <p:pic>
+        <p:nvPicPr>
+          <p:cNvPr id="5" name="Picture 4">
+            <a:extLst>
+              <a:ext uri="{FF2B5EF4-FFF2-40B4-BE49-F238E27FC236}">
+                <a16:creationId xmlns:a16="http://schemas.microsoft.com/office/drawing/2014/main" id="{A1E12C76-6211-4A69-945D-116DB85E54F1}"/>
+              </a:ext>
+            </a:extLst>
+          </p:cNvPr>
+          <p:cNvPicPr>
+            <a:picLocks noChangeAspect="1"/>
+          </p:cNvPicPr>
+          <p:nvPr/>
+        </p:nvPicPr>
+        <p:blipFill>
+          <a:blip r:embed="rId3"/>
+          <a:stretch>
+            <a:fillRect/>
+          </a:stretch>
+        </p:blipFill>
+        <p:spPr>
+          <a:xfrm>
+            <a:off x="3287688" y="2780928"/>
+            <a:ext cx="4438650" cy="771525"/>
+          </a:xfrm>
+          <a:prstGeom prst="rect">
+            <a:avLst/>
+          </a:prstGeom>
+        </p:spPr>
+      </p:pic>
+    </p:spTree>
+    <p:extLst>
+      <p:ext uri="{BB962C8B-B14F-4D97-AF65-F5344CB8AC3E}">
+        <p14:creationId xmlns:p14="http://schemas.microsoft.com/office/powerpoint/2010/main" val="2138284082"/>
+      </p:ext>
+    </p:extLst>
+  </p:cSld>
+  <p:clrMapOvr>
+    <a:masterClrMapping/>
+  </p:clrMapOvr>
+</p:sld>
+</file>
+
+<file path=ppt/slides/slide5.xml><?xml version="1.0" encoding="utf-8"?>
+<p:sld xmlns:a="http://schemas.openxmlformats.org/drawingml/2006/main" xmlns:r="http://schemas.openxmlformats.org/officeDocument/2006/relationships" xmlns:p="http://schemas.openxmlformats.org/presentationml/2006/main">
+  <p:cSld>
+    <p:spTree>
+      <p:nvGrpSpPr>
+        <p:cNvPr id="1" name=""/>
+        <p:cNvGrpSpPr/>
+        <p:nvPr/>
+      </p:nvGrpSpPr>
+      <p:grpSpPr>
+        <a:xfrm>
+          <a:off x="0" y="0"/>
+          <a:ext cx="0" cy="0"/>
+          <a:chOff x="0" y="0"/>
+          <a:chExt cx="0" cy="0"/>
+        </a:xfrm>
+      </p:grpSpPr>
+      <p:sp>
+        <p:nvSpPr>
+          <p:cNvPr id="2" name="Title 1">
+            <a:extLst>
+              <a:ext uri="{FF2B5EF4-FFF2-40B4-BE49-F238E27FC236}">
+                <a16:creationId xmlns:a16="http://schemas.microsoft.com/office/drawing/2014/main" id="{BC9452CD-60E7-4E34-BCE2-1310E7EE2A17}"/>
+              </a:ext>
+            </a:extLst>
+          </p:cNvPr>
+          <p:cNvSpPr>
+            <a:spLocks noGrp="1"/>
+          </p:cNvSpPr>
+          <p:nvPr>
+            <p:ph type="title"/>
+          </p:nvPr>
+        </p:nvSpPr>
+        <p:spPr/>
+        <p:txBody>
+          <a:bodyPr/>
+          <a:lstStyle/>
+          <a:p>
+            <a:r>
+              <a:rPr lang="en-AU" dirty="0"/>
+              <a:t>What about – extra parameters?</a:t>
+            </a:r>
+          </a:p>
+        </p:txBody>
+      </p:sp>
+      <p:sp>
+        <p:nvSpPr>
+          <p:cNvPr id="3" name="Content Placeholder 2">
+            <a:extLst>
+              <a:ext uri="{FF2B5EF4-FFF2-40B4-BE49-F238E27FC236}">
+                <a16:creationId xmlns:a16="http://schemas.microsoft.com/office/drawing/2014/main" id="{4BCE596A-6A5B-446B-9AE7-88FF87220D99}"/>
+              </a:ext>
+            </a:extLst>
+          </p:cNvPr>
+          <p:cNvSpPr>
+            <a:spLocks noGrp="1"/>
+          </p:cNvSpPr>
+          <p:nvPr>
+            <p:ph idx="1"/>
+          </p:nvPr>
+        </p:nvSpPr>
+        <p:spPr>
+          <a:xfrm>
+            <a:off x="1524000" y="1828800"/>
+            <a:ext cx="9144000" cy="4768552"/>
+          </a:xfrm>
+        </p:spPr>
+        <p:txBody>
+          <a:bodyPr>
+            <a:normAutofit/>
+          </a:bodyPr>
+          <a:lstStyle/>
+          <a:p>
+            <a:pPr marL="0" indent="0">
+              <a:buNone/>
+            </a:pPr>
+            <a:r>
+              <a:rPr lang="en-AU" dirty="0"/>
+              <a:t>Pass them after the other variables: </a:t>
+            </a:r>
+            <a:r>
+              <a:rPr lang="en-AU" dirty="0" err="1"/>
+              <a:t>odeint</a:t>
+            </a:r>
+            <a:r>
+              <a:rPr lang="en-AU" dirty="0"/>
+              <a:t>(</a:t>
+            </a:r>
+            <a:r>
+              <a:rPr lang="en-AU" dirty="0" err="1"/>
+              <a:t>func</a:t>
+            </a:r>
+            <a:r>
+              <a:rPr lang="en-AU" dirty="0"/>
+              <a:t>, y, t, </a:t>
+            </a:r>
+            <a:r>
+              <a:rPr lang="en-AU" b="1" dirty="0"/>
+              <a:t>here!!)</a:t>
+            </a:r>
+            <a:endParaRPr lang="en-AU" dirty="0"/>
+          </a:p>
+          <a:p>
+            <a:pPr marL="0" indent="0">
+              <a:buNone/>
+            </a:pPr>
+            <a:r>
+              <a:rPr lang="en-AU" dirty="0"/>
+              <a:t>Outside the function, group them together as a tuple (comma separated values) – even if there’s only one of them.</a:t>
+            </a:r>
+          </a:p>
+          <a:p>
+            <a:pPr marL="0" indent="0">
+              <a:buNone/>
+            </a:pPr>
+            <a:endParaRPr lang="en-AU" dirty="0"/>
+          </a:p>
+          <a:p>
+            <a:pPr marL="0" indent="0">
+              <a:buNone/>
+            </a:pPr>
+            <a:r>
+              <a:rPr lang="en-AU" dirty="0"/>
+              <a:t>Pass them to ODE int</a:t>
+            </a:r>
+          </a:p>
+          <a:p>
+            <a:pPr marL="0" indent="0">
+              <a:buNone/>
+            </a:pPr>
+            <a:endParaRPr lang="en-AU" dirty="0"/>
+          </a:p>
+          <a:p>
+            <a:pPr marL="0" indent="0">
+              <a:buNone/>
+            </a:pPr>
+            <a:r>
+              <a:rPr lang="en-AU" dirty="0"/>
+              <a:t>In the function, have a space for the tuple in the definition, and then unpack the tuple in the body</a:t>
+            </a:r>
+          </a:p>
+          <a:p>
+            <a:pPr marL="0" indent="0">
+              <a:buNone/>
+            </a:pPr>
+            <a:endParaRPr lang="en-AU" dirty="0"/>
+          </a:p>
+        </p:txBody>
+      </p:sp>
+      <p:pic>
+        <p:nvPicPr>
+          <p:cNvPr id="6" name="Picture 5">
+            <a:extLst>
+              <a:ext uri="{FF2B5EF4-FFF2-40B4-BE49-F238E27FC236}">
+                <a16:creationId xmlns:a16="http://schemas.microsoft.com/office/drawing/2014/main" id="{2CB0BE0A-E6F2-43AF-BA13-E35E30E07869}"/>
+              </a:ext>
+            </a:extLst>
+          </p:cNvPr>
+          <p:cNvPicPr>
+            <a:picLocks noChangeAspect="1"/>
+          </p:cNvPicPr>
+          <p:nvPr/>
+        </p:nvPicPr>
+        <p:blipFill>
+          <a:blip r:embed="rId2"/>
+          <a:stretch>
+            <a:fillRect/>
+          </a:stretch>
+        </p:blipFill>
+        <p:spPr>
+          <a:xfrm>
+            <a:off x="5519936" y="2694620"/>
+            <a:ext cx="2509132" cy="734380"/>
+          </a:xfrm>
+          <a:prstGeom prst="rect">
+            <a:avLst/>
+          </a:prstGeom>
+        </p:spPr>
+      </p:pic>
+      <p:pic>
+        <p:nvPicPr>
+          <p:cNvPr id="7" name="Picture 6">
+            <a:extLst>
+              <a:ext uri="{FF2B5EF4-FFF2-40B4-BE49-F238E27FC236}">
+                <a16:creationId xmlns:a16="http://schemas.microsoft.com/office/drawing/2014/main" id="{6E6A7B43-AE65-47E1-9AC3-BCD5C84A484B}"/>
+              </a:ext>
+            </a:extLst>
+          </p:cNvPr>
+          <p:cNvPicPr>
+            <a:picLocks noChangeAspect="1"/>
+          </p:cNvPicPr>
+          <p:nvPr/>
+        </p:nvPicPr>
+        <p:blipFill>
+          <a:blip r:embed="rId3"/>
+          <a:stretch>
+            <a:fillRect/>
+          </a:stretch>
+        </p:blipFill>
+        <p:spPr>
+          <a:xfrm>
+            <a:off x="2135560" y="4022064"/>
+            <a:ext cx="8627155" cy="545511"/>
+          </a:xfrm>
+          <a:prstGeom prst="rect">
+            <a:avLst/>
+          </a:prstGeom>
+        </p:spPr>
+      </p:pic>
+      <p:pic>
+        <p:nvPicPr>
+          <p:cNvPr id="8" name="Picture 7">
+            <a:extLst>
+              <a:ext uri="{FF2B5EF4-FFF2-40B4-BE49-F238E27FC236}">
+                <a16:creationId xmlns:a16="http://schemas.microsoft.com/office/drawing/2014/main" id="{9D91307B-A1BD-4C8E-B56E-86D4229A4596}"/>
+              </a:ext>
+            </a:extLst>
+          </p:cNvPr>
+          <p:cNvPicPr>
+            <a:picLocks noChangeAspect="1"/>
+          </p:cNvPicPr>
+          <p:nvPr/>
+        </p:nvPicPr>
+        <p:blipFill>
+          <a:blip r:embed="rId4"/>
+          <a:stretch>
+            <a:fillRect/>
+          </a:stretch>
+        </p:blipFill>
+        <p:spPr>
+          <a:xfrm>
+            <a:off x="3853574" y="5174298"/>
+            <a:ext cx="5191125" cy="1219200"/>
+          </a:xfrm>
+          <a:prstGeom prst="rect">
+            <a:avLst/>
+          </a:prstGeom>
+        </p:spPr>
+      </p:pic>
+    </p:spTree>
+    <p:extLst>
+      <p:ext uri="{BB962C8B-B14F-4D97-AF65-F5344CB8AC3E}">
+        <p14:creationId xmlns:p14="http://schemas.microsoft.com/office/powerpoint/2010/main" val="760325835"/>
+      </p:ext>
+    </p:extLst>
+  </p:cSld>
+  <p:clrMapOvr>
+    <a:masterClrMapping/>
+  </p:clrMapOvr>
+</p:sld>
+</file>
+
+<file path=ppt/slides/slide6.xml><?xml version="1.0" encoding="utf-8"?>
 <p:sld xmlns:a="http://schemas.openxmlformats.org/drawingml/2006/main" xmlns:r="http://schemas.openxmlformats.org/officeDocument/2006/relationships" xmlns:p="http://schemas.openxmlformats.org/presentationml/2006/main">
   <p:cSld>
     <p:spTree>
@@ -4420,7 +5207,7 @@
 </p:sld>
 </file>
 
-<file path=ppt/slides/slide5.xml><?xml version="1.0" encoding="utf-8"?>
+<file path=ppt/slides/slide7.xml><?xml version="1.0" encoding="utf-8"?>
 <p:sld xmlns:a="http://schemas.openxmlformats.org/drawingml/2006/main" xmlns:r="http://schemas.openxmlformats.org/officeDocument/2006/relationships" xmlns:p="http://schemas.openxmlformats.org/presentationml/2006/main">
   <p:cSld>
     <p:spTree>
@@ -4563,8 +5350,8 @@
         </p:blipFill>
         <p:spPr>
           <a:xfrm>
-            <a:off x="7324725" y="1988840"/>
-            <a:ext cx="3343275" cy="647700"/>
+            <a:off x="6600056" y="1916832"/>
+            <a:ext cx="4831949" cy="936104"/>
           </a:xfrm>
           <a:prstGeom prst="rect">
             <a:avLst/>
@@ -4584,7 +5371,7 @@
 </p:sld>
 </file>
 
-<file path=ppt/slides/slide6.xml><?xml version="1.0" encoding="utf-8"?>
+<file path=ppt/slides/slide8.xml><?xml version="1.0" encoding="utf-8"?>
 <p:sld xmlns:a="http://schemas.openxmlformats.org/drawingml/2006/main" xmlns:r="http://schemas.openxmlformats.org/officeDocument/2006/relationships" xmlns:p="http://schemas.openxmlformats.org/presentationml/2006/main">
   <p:cSld>
     <p:spTree>
